--- a/docs/Marektingplan für Kunde.pptx
+++ b/docs/Marektingplan für Kunde.pptx
@@ -4045,11 +4045,11 @@
             <a:pPr algn="ctr"/>
             <a:r>
               <a:rPr lang="de-DE" sz="2800" dirty="0"/>
-              <a:t>A Game </a:t>
+              <a:t>A </a:t>
             </a:r>
             <a:r>
               <a:rPr lang="de-DE" sz="2800" dirty="0" err="1"/>
-              <a:t>by</a:t>
+              <a:t>Knobelmößli</a:t>
             </a:r>
             <a:r>
               <a:rPr lang="de-DE" sz="2800" dirty="0"/>
@@ -4057,11 +4057,7 @@
             </a:r>
             <a:r>
               <a:rPr lang="de-DE" sz="2800" dirty="0" err="1"/>
-              <a:t>Knobelmößli</a:t>
-            </a:r>
-            <a:r>
-              <a:rPr lang="de-DE" sz="2800" dirty="0"/>
-              <a:t> GmbH.</a:t>
+              <a:t>Production</a:t>
             </a:r>
             <a:endParaRPr lang="en-US" sz="2800" dirty="0"/>
           </a:p>
@@ -4095,7 +4091,7 @@
         </p:blipFill>
         <p:spPr>
           <a:xfrm>
-            <a:off x="8877584" y="5653606"/>
+            <a:off x="8877583" y="5653606"/>
             <a:ext cx="3314416" cy="1204394"/>
           </a:xfrm>
           <a:prstGeom prst="rect">
@@ -4269,10 +4265,10 @@
       </p:sp>
       <p:pic>
         <p:nvPicPr>
-          <p:cNvPr id="6" name="Grafik 5">
+          <p:cNvPr id="7" name="Grafik 6">
             <a:extLst>
               <a:ext uri="{FF2B5EF4-FFF2-40B4-BE49-F238E27FC236}">
-                <a16:creationId xmlns:a16="http://schemas.microsoft.com/office/drawing/2014/main" id="{364674C5-2E3D-47C2-BB09-EC37EFE18FED}"/>
+                <a16:creationId xmlns:a16="http://schemas.microsoft.com/office/drawing/2014/main" id="{9E705D93-3BF4-480E-B6BE-82E2F8A4D774}"/>
               </a:ext>
             </a:extLst>
           </p:cNvPr>
@@ -4295,8 +4291,8 @@
         </p:blipFill>
         <p:spPr>
           <a:xfrm>
-            <a:off x="481196" y="5695950"/>
-            <a:ext cx="3009900" cy="1162050"/>
+            <a:off x="10146652" y="5668242"/>
+            <a:ext cx="1162050" cy="1162050"/>
           </a:xfrm>
           <a:prstGeom prst="rect">
             <a:avLst/>
@@ -4305,10 +4301,10 @@
       </p:pic>
       <p:pic>
         <p:nvPicPr>
-          <p:cNvPr id="7" name="Grafik 6">
+          <p:cNvPr id="11" name="Grafik 10" descr="Ein Bild, das Text, Uhr enthält.&#10;&#10;Automatisch generierte Beschreibung">
             <a:extLst>
               <a:ext uri="{FF2B5EF4-FFF2-40B4-BE49-F238E27FC236}">
-                <a16:creationId xmlns:a16="http://schemas.microsoft.com/office/drawing/2014/main" id="{9E705D93-3BF4-480E-B6BE-82E2F8A4D774}"/>
+                <a16:creationId xmlns:a16="http://schemas.microsoft.com/office/drawing/2014/main" id="{5550A2A9-D2FF-4475-85FF-B100167D5B24}"/>
               </a:ext>
             </a:extLst>
           </p:cNvPr>
@@ -4331,8 +4327,152 @@
         </p:blipFill>
         <p:spPr>
           <a:xfrm>
-            <a:off x="5801698" y="5693903"/>
-            <a:ext cx="1162050" cy="1162050"/>
+            <a:off x="1335262" y="5833907"/>
+            <a:ext cx="943409" cy="943409"/>
+          </a:xfrm>
+          <a:prstGeom prst="rect">
+            <a:avLst/>
+          </a:prstGeom>
+        </p:spPr>
+      </p:pic>
+      <p:pic>
+        <p:nvPicPr>
+          <p:cNvPr id="13" name="Grafik 12" descr="Ein Bild, das Logo enthält.&#10;&#10;Automatisch generierte Beschreibung">
+            <a:extLst>
+              <a:ext uri="{FF2B5EF4-FFF2-40B4-BE49-F238E27FC236}">
+                <a16:creationId xmlns:a16="http://schemas.microsoft.com/office/drawing/2014/main" id="{D374D39C-802C-47A7-A7D9-A4750099D311}"/>
+              </a:ext>
+            </a:extLst>
+          </p:cNvPr>
+          <p:cNvPicPr>
+            <a:picLocks noChangeAspect="1"/>
+          </p:cNvPicPr>
+          <p:nvPr/>
+        </p:nvPicPr>
+        <p:blipFill>
+          <a:blip r:embed="rId5">
+            <a:extLst>
+              <a:ext uri="{28A0092B-C50C-407E-A947-70E740481C1C}">
+                <a14:useLocalDpi xmlns:a14="http://schemas.microsoft.com/office/drawing/2010/main" val="0"/>
+              </a:ext>
+            </a:extLst>
+          </a:blip>
+          <a:stretch>
+            <a:fillRect/>
+          </a:stretch>
+        </p:blipFill>
+        <p:spPr>
+          <a:xfrm>
+            <a:off x="542742" y="5833907"/>
+            <a:ext cx="773472" cy="940131"/>
+          </a:xfrm>
+          <a:prstGeom prst="rect">
+            <a:avLst/>
+          </a:prstGeom>
+        </p:spPr>
+      </p:pic>
+      <p:pic>
+        <p:nvPicPr>
+          <p:cNvPr id="16" name="Grafik 15" descr="Ein Bild, das Text, Schild enthält.&#10;&#10;Automatisch generierte Beschreibung">
+            <a:extLst>
+              <a:ext uri="{FF2B5EF4-FFF2-40B4-BE49-F238E27FC236}">
+                <a16:creationId xmlns:a16="http://schemas.microsoft.com/office/drawing/2014/main" id="{6A62ECE8-DAE0-47B3-B923-6B928BCDE38E}"/>
+              </a:ext>
+            </a:extLst>
+          </p:cNvPr>
+          <p:cNvPicPr>
+            <a:picLocks noChangeAspect="1"/>
+          </p:cNvPicPr>
+          <p:nvPr/>
+        </p:nvPicPr>
+        <p:blipFill>
+          <a:blip r:embed="rId6">
+            <a:extLst>
+              <a:ext uri="{28A0092B-C50C-407E-A947-70E740481C1C}">
+                <a14:useLocalDpi xmlns:a14="http://schemas.microsoft.com/office/drawing/2010/main" val="0"/>
+              </a:ext>
+            </a:extLst>
+          </a:blip>
+          <a:stretch>
+            <a:fillRect/>
+          </a:stretch>
+        </p:blipFill>
+        <p:spPr>
+          <a:xfrm>
+            <a:off x="2304700" y="5833908"/>
+            <a:ext cx="943410" cy="943410"/>
+          </a:xfrm>
+          <a:prstGeom prst="rect">
+            <a:avLst/>
+          </a:prstGeom>
+        </p:spPr>
+      </p:pic>
+      <p:pic>
+        <p:nvPicPr>
+          <p:cNvPr id="18" name="Grafik 17" descr="Ein Bild, das Text enthält.&#10;&#10;Automatisch generierte Beschreibung">
+            <a:extLst>
+              <a:ext uri="{FF2B5EF4-FFF2-40B4-BE49-F238E27FC236}">
+                <a16:creationId xmlns:a16="http://schemas.microsoft.com/office/drawing/2014/main" id="{ED87F9D6-D069-4185-9DBA-ED35C6971DA7}"/>
+              </a:ext>
+            </a:extLst>
+          </p:cNvPr>
+          <p:cNvPicPr>
+            <a:picLocks noChangeAspect="1"/>
+          </p:cNvPicPr>
+          <p:nvPr/>
+        </p:nvPicPr>
+        <p:blipFill>
+          <a:blip r:embed="rId7">
+            <a:extLst>
+              <a:ext uri="{28A0092B-C50C-407E-A947-70E740481C1C}">
+                <a14:useLocalDpi xmlns:a14="http://schemas.microsoft.com/office/drawing/2010/main" val="0"/>
+              </a:ext>
+            </a:extLst>
+          </a:blip>
+          <a:stretch>
+            <a:fillRect/>
+          </a:stretch>
+        </p:blipFill>
+        <p:spPr>
+          <a:xfrm>
+            <a:off x="3274139" y="5833907"/>
+            <a:ext cx="950205" cy="950205"/>
+          </a:xfrm>
+          <a:prstGeom prst="rect">
+            <a:avLst/>
+          </a:prstGeom>
+        </p:spPr>
+      </p:pic>
+      <p:pic>
+        <p:nvPicPr>
+          <p:cNvPr id="22" name="Grafik 21">
+            <a:extLst>
+              <a:ext uri="{FF2B5EF4-FFF2-40B4-BE49-F238E27FC236}">
+                <a16:creationId xmlns:a16="http://schemas.microsoft.com/office/drawing/2014/main" id="{08F2964E-F967-4C5A-B042-C34DCD96D600}"/>
+              </a:ext>
+            </a:extLst>
+          </p:cNvPr>
+          <p:cNvPicPr>
+            <a:picLocks noChangeAspect="1"/>
+          </p:cNvPicPr>
+          <p:nvPr/>
+        </p:nvPicPr>
+        <p:blipFill>
+          <a:blip r:embed="rId8">
+            <a:extLst>
+              <a:ext uri="{28A0092B-C50C-407E-A947-70E740481C1C}">
+                <a14:useLocalDpi xmlns:a14="http://schemas.microsoft.com/office/drawing/2010/main" val="0"/>
+              </a:ext>
+            </a:extLst>
+          </a:blip>
+          <a:stretch>
+            <a:fillRect/>
+          </a:stretch>
+        </p:blipFill>
+        <p:spPr>
+          <a:xfrm>
+            <a:off x="4244246" y="5833907"/>
+            <a:ext cx="950205" cy="950205"/>
           </a:xfrm>
           <a:prstGeom prst="rect">
             <a:avLst/>
@@ -4820,6 +4960,27 @@
               <a:buFont typeface="Arial" panose="020B0604020202020204" pitchFamily="34" charset="0"/>
               <a:buChar char="•"/>
             </a:pPr>
+            <a:r>
+              <a:rPr lang="de-DE" sz="3600" dirty="0">
+                <a:latin typeface="Arial Rounded MT Bold" panose="020F0704030504030204" pitchFamily="34" charset="0"/>
+              </a:rPr>
+              <a:t>Online Mehrspielermodus</a:t>
+            </a:r>
+          </a:p>
+          <a:p>
+            <a:pPr marL="342900" indent="-342900">
+              <a:buFont typeface="Arial" panose="020B0604020202020204" pitchFamily="34" charset="0"/>
+              <a:buChar char="•"/>
+            </a:pPr>
+            <a:endParaRPr lang="de-DE" sz="3600" dirty="0">
+              <a:latin typeface="Arial Rounded MT Bold" panose="020F0704030504030204" pitchFamily="34" charset="0"/>
+            </a:endParaRPr>
+          </a:p>
+          <a:p>
+            <a:pPr marL="342900" indent="-342900">
+              <a:buFont typeface="Arial" panose="020B0604020202020204" pitchFamily="34" charset="0"/>
+              <a:buChar char="•"/>
+            </a:pPr>
             <a:endParaRPr lang="en-US" sz="3600" dirty="0">
               <a:latin typeface="Arial Rounded MT Bold" panose="020F0704030504030204" pitchFamily="34" charset="0"/>
             </a:endParaRPr>
@@ -4928,7 +5089,7 @@
               <a:rPr lang="de-DE" sz="3600" dirty="0">
                 <a:latin typeface="Arial Rounded MT Bold" panose="020F0704030504030204" pitchFamily="34" charset="0"/>
               </a:rPr>
-              <a:t>Interesse an Spielen mit Kriegsbezogenen Hintergrund</a:t>
+              <a:t>Interesse an Spielen mit kriegsbezogenen Hintergrund</a:t>
             </a:r>
           </a:p>
         </p:txBody>
@@ -5424,7 +5585,7 @@
               <a:rPr lang="de-DE" sz="3600" dirty="0">
                 <a:latin typeface="Arial Rounded MT Bold" panose="020F0704030504030204" pitchFamily="34" charset="0"/>
               </a:rPr>
-              <a:t>Verkauf von 50.000 Einheiten bis ende 2023</a:t>
+              <a:t>Verkauf von 50.000 Einheiten bis Ende 2023</a:t>
             </a:r>
           </a:p>
           <a:p>
